--- a/Resources/Game Project Intro.pptx
+++ b/Resources/Game Project Intro.pptx
@@ -3149,7 +3149,7 @@
             </a:br>
             <a:r>
               <a:rPr lang="en-US" dirty="0" smtClean="0"/>
-              <a:t>MP4</a:t>
+              <a:t>MP2</a:t>
             </a:r>
             <a:endParaRPr lang="en-US" dirty="0"/>
           </a:p>
@@ -3183,8 +3183,12 @@
           </a:p>
           <a:p>
             <a:r>
-              <a:rPr lang="en-US" sz="2000" smtClean="0"/>
-              <a:t>MHS 2013</a:t>
+              <a:rPr lang="en-US" sz="2000" dirty="0" smtClean="0"/>
+              <a:t>MHS </a:t>
+            </a:r>
+            <a:r>
+              <a:rPr lang="en-US" sz="2000" dirty="0" smtClean="0"/>
+              <a:t>Fall 2013-2014</a:t>
             </a:r>
             <a:endParaRPr lang="en-US" sz="2000" dirty="0"/>
           </a:p>
@@ -3200,6 +3204,13 @@
   <p:clrMapOvr>
     <a:masterClrMapping/>
   </p:clrMapOvr>
+  <p:timing>
+    <p:tnLst>
+      <p:par>
+        <p:cTn id="1" dur="indefinite" restart="never" nodeType="tmRoot"/>
+      </p:par>
+    </p:tnLst>
+  </p:timing>
 </p:sld>
 </file>
 
@@ -3305,6 +3316,13 @@
   <p:clrMapOvr>
     <a:masterClrMapping/>
   </p:clrMapOvr>
+  <p:timing>
+    <p:tnLst>
+      <p:par>
+        <p:cTn id="1" dur="indefinite" restart="never" nodeType="tmRoot"/>
+      </p:par>
+    </p:tnLst>
+  </p:timing>
 </p:sld>
 </file>
 
@@ -3407,6 +3425,13 @@
   <p:clrMapOvr>
     <a:masterClrMapping/>
   </p:clrMapOvr>
+  <p:timing>
+    <p:tnLst>
+      <p:par>
+        <p:cTn id="1" dur="indefinite" restart="never" nodeType="tmRoot"/>
+      </p:par>
+    </p:tnLst>
+  </p:timing>
 </p:sld>
 </file>
 
@@ -3518,6 +3543,13 @@
   <p:clrMapOvr>
     <a:masterClrMapping/>
   </p:clrMapOvr>
+  <p:timing>
+    <p:tnLst>
+      <p:par>
+        <p:cTn id="1" dur="indefinite" restart="never" nodeType="tmRoot"/>
+      </p:par>
+    </p:tnLst>
+  </p:timing>
 </p:sld>
 </file>
 
@@ -3643,6 +3675,13 @@
   <p:clrMapOvr>
     <a:masterClrMapping/>
   </p:clrMapOvr>
+  <p:timing>
+    <p:tnLst>
+      <p:par>
+        <p:cTn id="1" dur="indefinite" restart="never" nodeType="tmRoot"/>
+      </p:par>
+    </p:tnLst>
+  </p:timing>
 </p:sld>
 </file>
 
@@ -3705,30 +3744,13 @@
           <a:p>
             <a:r>
               <a:rPr lang="en-US" dirty="0" smtClean="0"/>
-              <a:t>Project Start: week of </a:t>
-            </a:r>
-            <a:r>
-              <a:rPr lang="en-US" dirty="0" smtClean="0"/>
-              <a:t>1/6</a:t>
-            </a:r>
-            <a:endParaRPr lang="en-US" dirty="0" smtClean="0"/>
-          </a:p>
-          <a:p>
-            <a:r>
-              <a:rPr lang="en-US" dirty="0" smtClean="0"/>
-              <a:t>Project Description due no later than </a:t>
-            </a:r>
-            <a:r>
-              <a:rPr lang="en-US" dirty="0" smtClean="0"/>
-              <a:t>1/10</a:t>
-            </a:r>
-            <a:r>
-              <a:rPr lang="en-US" dirty="0" smtClean="0"/>
-              <a:t>, </a:t>
-            </a:r>
-            <a:r>
-              <a:rPr lang="en-US" dirty="0" smtClean="0"/>
-              <a:t>posted to your team’s </a:t>
+              <a:t>Project Start: week of 1/6</a:t>
+            </a:r>
+          </a:p>
+          <a:p>
+            <a:r>
+              <a:rPr lang="en-US" dirty="0" smtClean="0"/>
+              <a:t>Project Description due no later than 1/10, posted to your team’s </a:t>
             </a:r>
             <a:r>
               <a:rPr lang="en-US" dirty="0" err="1" smtClean="0"/>
@@ -3754,11 +3776,7 @@
           <a:p>
             <a:r>
               <a:rPr lang="en-US" dirty="0" smtClean="0"/>
-              <a:t>Flowchart due no later than </a:t>
-            </a:r>
-            <a:r>
-              <a:rPr lang="en-US" dirty="0" smtClean="0"/>
-              <a:t>1/17</a:t>
+              <a:t>Flowchart due no later than 1/17</a:t>
             </a:r>
             <a:endParaRPr lang="en-US" baseline="30000" dirty="0" smtClean="0"/>
           </a:p>
@@ -3802,6 +3820,13 @@
   <p:clrMapOvr>
     <a:masterClrMapping/>
   </p:clrMapOvr>
+  <p:timing>
+    <p:tnLst>
+      <p:par>
+        <p:cTn id="1" dur="indefinite" restart="never" nodeType="tmRoot"/>
+      </p:par>
+    </p:tnLst>
+  </p:timing>
 </p:sld>
 </file>
 
@@ -3884,15 +3909,7 @@
           <a:p>
             <a:r>
               <a:rPr lang="en-US" dirty="0" smtClean="0"/>
-              <a:t>Skill </a:t>
-            </a:r>
-            <a:r>
-              <a:rPr lang="en-US" dirty="0" smtClean="0"/>
-              <a:t>checks and quizzes – 15 </a:t>
-            </a:r>
-            <a:r>
-              <a:rPr lang="en-US" dirty="0" smtClean="0"/>
-              <a:t>points each.</a:t>
+              <a:t>Skill checks and quizzes – 15 points each.</a:t>
             </a:r>
           </a:p>
           <a:p>
@@ -3913,6 +3930,13 @@
   <p:clrMapOvr>
     <a:masterClrMapping/>
   </p:clrMapOvr>
+  <p:timing>
+    <p:tnLst>
+      <p:par>
+        <p:cTn id="1" dur="indefinite" restart="never" nodeType="tmRoot"/>
+      </p:par>
+    </p:tnLst>
+  </p:timing>
 </p:sld>
 </file>
 
@@ -4012,6 +4036,13 @@
   <p:clrMapOvr>
     <a:masterClrMapping/>
   </p:clrMapOvr>
+  <p:timing>
+    <p:tnLst>
+      <p:par>
+        <p:cTn id="1" dur="indefinite" restart="never" nodeType="tmRoot"/>
+      </p:par>
+    </p:tnLst>
+  </p:timing>
 </p:sld>
 </file>
 
@@ -4157,6 +4188,13 @@
   <p:clrMapOvr>
     <a:masterClrMapping/>
   </p:clrMapOvr>
+  <p:timing>
+    <p:tnLst>
+      <p:par>
+        <p:cTn id="1" dur="indefinite" restart="never" nodeType="tmRoot"/>
+      </p:par>
+    </p:tnLst>
+  </p:timing>
 </p:sld>
 </file>
 
@@ -4305,6 +4343,13 @@
   <p:clrMapOvr>
     <a:masterClrMapping/>
   </p:clrMapOvr>
+  <p:timing>
+    <p:tnLst>
+      <p:par>
+        <p:cTn id="1" dur="indefinite" restart="never" nodeType="tmRoot"/>
+      </p:par>
+    </p:tnLst>
+  </p:timing>
 </p:sld>
 </file>
 
@@ -4421,6 +4466,13 @@
   <p:clrMapOvr>
     <a:masterClrMapping/>
   </p:clrMapOvr>
+  <p:timing>
+    <p:tnLst>
+      <p:par>
+        <p:cTn id="1" dur="indefinite" restart="never" nodeType="tmRoot"/>
+      </p:par>
+    </p:tnLst>
+  </p:timing>
 </p:sld>
 </file>
 
@@ -4544,6 +4596,13 @@
   <p:clrMapOvr>
     <a:masterClrMapping/>
   </p:clrMapOvr>
+  <p:timing>
+    <p:tnLst>
+      <p:par>
+        <p:cTn id="1" dur="indefinite" restart="never" nodeType="tmRoot"/>
+      </p:par>
+    </p:tnLst>
+  </p:timing>
 </p:sld>
 </file>
 
@@ -4779,6 +4838,13 @@
   <p:clrMapOvr>
     <a:masterClrMapping/>
   </p:clrMapOvr>
+  <p:timing>
+    <p:tnLst>
+      <p:par>
+        <p:cTn id="1" dur="indefinite" restart="never" nodeType="tmRoot"/>
+      </p:par>
+    </p:tnLst>
+  </p:timing>
 </p:sld>
 </file>
 
@@ -4959,6 +5025,13 @@
   <p:clrMapOvr>
     <a:masterClrMapping/>
   </p:clrMapOvr>
+  <p:timing>
+    <p:tnLst>
+      <p:par>
+        <p:cTn id="1" dur="indefinite" restart="never" nodeType="tmRoot"/>
+      </p:par>
+    </p:tnLst>
+  </p:timing>
 </p:sld>
 </file>
 
@@ -5111,6 +5184,13 @@
   <p:clrMapOvr>
     <a:masterClrMapping/>
   </p:clrMapOvr>
+  <p:timing>
+    <p:tnLst>
+      <p:par>
+        <p:cTn id="1" dur="indefinite" restart="never" nodeType="tmRoot"/>
+      </p:par>
+    </p:tnLst>
+  </p:timing>
 </p:sld>
 </file>
 
